--- a/assets/tactile_image_files/0051-Keeling_curve/0051-Keeling_curve.pptx
+++ b/assets/tactile_image_files/0051-Keeling_curve/0051-Keeling_curve.pptx
@@ -253,7 +253,7 @@
           <a:p>
             <a:fld id="{E796F801-3BB8-A247-923B-F07F1B58D38A}" type="datetimeFigureOut">
               <a:rPr lang="en-US" smtClean="0"/>
-              <a:t>7/24/20</a:t>
+              <a:t>6/17/21</a:t>
             </a:fld>
             <a:endParaRPr lang="en-US"/>
           </a:p>
@@ -433,7 +433,7 @@
           <a:p>
             <a:fld id="{E796F801-3BB8-A247-923B-F07F1B58D38A}" type="datetimeFigureOut">
               <a:rPr lang="en-US" smtClean="0"/>
-              <a:t>7/24/20</a:t>
+              <a:t>6/17/21</a:t>
             </a:fld>
             <a:endParaRPr lang="en-US"/>
           </a:p>
@@ -603,7 +603,7 @@
           <a:p>
             <a:fld id="{E796F801-3BB8-A247-923B-F07F1B58D38A}" type="datetimeFigureOut">
               <a:rPr lang="en-US" smtClean="0"/>
-              <a:t>7/24/20</a:t>
+              <a:t>6/17/21</a:t>
             </a:fld>
             <a:endParaRPr lang="en-US"/>
           </a:p>
@@ -847,7 +847,7 @@
           <a:p>
             <a:fld id="{E796F801-3BB8-A247-923B-F07F1B58D38A}" type="datetimeFigureOut">
               <a:rPr lang="en-US" smtClean="0"/>
-              <a:t>7/24/20</a:t>
+              <a:t>6/17/21</a:t>
             </a:fld>
             <a:endParaRPr lang="en-US"/>
           </a:p>
@@ -1079,7 +1079,7 @@
           <a:p>
             <a:fld id="{E796F801-3BB8-A247-923B-F07F1B58D38A}" type="datetimeFigureOut">
               <a:rPr lang="en-US" smtClean="0"/>
-              <a:t>7/24/20</a:t>
+              <a:t>6/17/21</a:t>
             </a:fld>
             <a:endParaRPr lang="en-US"/>
           </a:p>
@@ -1446,7 +1446,7 @@
           <a:p>
             <a:fld id="{E796F801-3BB8-A247-923B-F07F1B58D38A}" type="datetimeFigureOut">
               <a:rPr lang="en-US" smtClean="0"/>
-              <a:t>7/24/20</a:t>
+              <a:t>6/17/21</a:t>
             </a:fld>
             <a:endParaRPr lang="en-US"/>
           </a:p>
@@ -1564,7 +1564,7 @@
           <a:p>
             <a:fld id="{E796F801-3BB8-A247-923B-F07F1B58D38A}" type="datetimeFigureOut">
               <a:rPr lang="en-US" smtClean="0"/>
-              <a:t>7/24/20</a:t>
+              <a:t>6/17/21</a:t>
             </a:fld>
             <a:endParaRPr lang="en-US"/>
           </a:p>
@@ -1659,7 +1659,7 @@
           <a:p>
             <a:fld id="{E796F801-3BB8-A247-923B-F07F1B58D38A}" type="datetimeFigureOut">
               <a:rPr lang="en-US" smtClean="0"/>
-              <a:t>7/24/20</a:t>
+              <a:t>6/17/21</a:t>
             </a:fld>
             <a:endParaRPr lang="en-US"/>
           </a:p>
@@ -1936,7 +1936,7 @@
           <a:p>
             <a:fld id="{E796F801-3BB8-A247-923B-F07F1B58D38A}" type="datetimeFigureOut">
               <a:rPr lang="en-US" smtClean="0"/>
-              <a:t>7/24/20</a:t>
+              <a:t>6/17/21</a:t>
             </a:fld>
             <a:endParaRPr lang="en-US"/>
           </a:p>
@@ -2193,7 +2193,7 @@
           <a:p>
             <a:fld id="{E796F801-3BB8-A247-923B-F07F1B58D38A}" type="datetimeFigureOut">
               <a:rPr lang="en-US" smtClean="0"/>
-              <a:t>7/24/20</a:t>
+              <a:t>6/17/21</a:t>
             </a:fld>
             <a:endParaRPr lang="en-US"/>
           </a:p>
@@ -2406,7 +2406,7 @@
           <a:p>
             <a:fld id="{E796F801-3BB8-A247-923B-F07F1B58D38A}" type="datetimeFigureOut">
               <a:rPr lang="en-US" smtClean="0"/>
-              <a:t>7/24/20</a:t>
+              <a:t>6/17/21</a:t>
             </a:fld>
             <a:endParaRPr lang="en-US"/>
           </a:p>
@@ -3909,8 +3909,8 @@
         </p:nvSpPr>
         <p:spPr>
           <a:xfrm>
-            <a:off x="1329070" y="96268"/>
-            <a:ext cx="7091916" cy="1569660"/>
+            <a:off x="59348" y="96268"/>
+            <a:ext cx="8959709" cy="1200329"/>
           </a:xfrm>
           <a:prstGeom prst="rect">
             <a:avLst/>
@@ -3924,7 +3924,7 @@
           <a:p>
             <a:pPr algn="ctr"/>
             <a:r>
-              <a:rPr lang="en-US" sz="2400">
+              <a:rPr lang="en-US" sz="2400" dirty="0">
                 <a:latin typeface="Swell Braille" pitchFamily="49"/>
               </a:rPr>
               <a:t>⠠⠮⠀⠠⠅⠑⠑⠇⠬⠀⠠⠉⠥⠗⠧⠑</a:t>
@@ -3933,19 +3933,34 @@
           <a:p>
             <a:pPr algn="ctr"/>
             <a:r>
-              <a:rPr lang="en-US" sz="2400">
+              <a:rPr lang="en-US" sz="2400" dirty="0">
                 <a:latin typeface="Swell Braille" pitchFamily="49"/>
               </a:rPr>
-              <a:t>⠐⠣⠉⠜⠃⠕⠝⠀⠠⠙⠊⠕⠭⠊⠙⠑⠀⠠⠉⠕⠝⠉⠢⠞⠗⠁⠰⠝⠀⠁⠞</a:t>
-            </a:r>
-          </a:p>
-          <a:p>
-            <a:pPr algn="ctr"/>
-            <a:r>
-              <a:rPr lang="en-US" sz="2400">
+              <a:t>⠐⠣⠉⠜⠃⠕⠝⠀⠠⠙⠊⠕⠭⠊⠙⠑⠀⠠3⠉⠢⠞⠗⠁⠰⠝⠀⠁⠞ ⠠⠍⠁⠥⠝⠁⠀⠠⠇⠕⠁⠀⠠</a:t>
+            </a:r>
+            <a:r>
+              <a:rPr lang="en-US" sz="2400" dirty="0" err="1">
                 <a:latin typeface="Swell Braille" pitchFamily="49"/>
               </a:rPr>
-              <a:t>⠠⠍⠁⠥⠝⠁⠀⠠⠇⠕⠁⠀⠠⠕⠃⠎⠻⠧⠁⠞⠕⠗⠽⠂⠀⠼⠁⠊⠑⠓⠤⠼⠃⠚⠃⠚⠐⠜</a:t>
+              <a:t>obs</a:t>
+            </a:r>
+            <a:r>
+              <a:rPr lang="en-US" sz="2400" dirty="0">
+                <a:latin typeface="Swell Braille" pitchFamily="49"/>
+              </a:rPr>
+              <a:t>]⠧⠁⠞⠕⠗⠽⠂⠀⠼⠁⠊⠑⠓⠤ ⠼</a:t>
+            </a:r>
+            <a:r>
+              <a:rPr lang="en-US" sz="2400" dirty="0" err="1">
+                <a:latin typeface="Swell Braille" pitchFamily="49"/>
+              </a:rPr>
+              <a:t>bjbj</a:t>
+            </a:r>
+            <a:r>
+              <a:rPr lang="en-US" sz="2400" dirty="0">
+                <a:latin typeface="Swell Braille" pitchFamily="49"/>
+              </a:rPr>
+              <a:t>"⠜</a:t>
             </a:r>
           </a:p>
         </p:txBody>
@@ -3971,8 +3986,8 @@
         </p:blipFill>
         <p:spPr>
           <a:xfrm>
-            <a:off x="1073894" y="1265274"/>
-            <a:ext cx="7931888" cy="4455042"/>
+            <a:off x="1079909" y="2050154"/>
+            <a:ext cx="6984182" cy="3851676"/>
           </a:xfrm>
           <a:prstGeom prst="rect">
             <a:avLst/>
@@ -3993,8 +4008,8 @@
         </p:nvSpPr>
         <p:spPr>
           <a:xfrm>
-            <a:off x="124943" y="3390495"/>
-            <a:ext cx="1114408" cy="461665"/>
+            <a:off x="217763" y="3732741"/>
+            <a:ext cx="1075936" cy="830997"/>
           </a:xfrm>
           <a:prstGeom prst="rect">
             <a:avLst/>
@@ -4007,48 +4022,16 @@
           </a:bodyPr>
           <a:lstStyle/>
           <a:p>
-            <a:r>
-              <a:rPr lang="en-US" sz="2400">
+            <a:endParaRPr lang="en-US" sz="2400" dirty="0">
+              <a:latin typeface="Swell Braille" pitchFamily="49"/>
+            </a:endParaRPr>
+          </a:p>
+          <a:p>
+            <a:r>
+              <a:rPr lang="en-US" sz="2400" dirty="0">
                 <a:latin typeface="Swell Braille" pitchFamily="49"/>
               </a:rPr>
-              <a:t>⠼⠉⠋⠚</a:t>
-            </a:r>
-          </a:p>
-        </p:txBody>
-      </p:sp>
-      <p:sp>
-        <p:nvSpPr>
-          <p:cNvPr id="22" name="TextBox 21">
-            <a:extLst>
-              <a:ext uri="{FF2B5EF4-FFF2-40B4-BE49-F238E27FC236}">
-                <a16:creationId xmlns:a16="http://schemas.microsoft.com/office/drawing/2014/main" id="{CD94BC40-9F95-8442-ABD1-090D1DC16822}"/>
-              </a:ext>
-            </a:extLst>
-          </p:cNvPr>
-          <p:cNvSpPr txBox="1"/>
-          <p:nvPr/>
-        </p:nvSpPr>
-        <p:spPr>
-          <a:xfrm>
-            <a:off x="124943" y="3737376"/>
-            <a:ext cx="1114408" cy="461665"/>
-          </a:xfrm>
-          <a:prstGeom prst="rect">
-            <a:avLst/>
-          </a:prstGeom>
-          <a:noFill/>
-        </p:spPr>
-        <p:txBody>
-          <a:bodyPr wrap="none" rtlCol="0">
-            <a:spAutoFit/>
-          </a:bodyPr>
-          <a:lstStyle/>
-          <a:p>
-            <a:r>
-              <a:rPr lang="en-US" sz="2400">
-                <a:latin typeface="Swell Braille" pitchFamily="49"/>
-              </a:rPr>
-              <a:t>⠼⠉⠑⠚</a:t>
+              <a:t>⠼⠉e⠚</a:t>
             </a:r>
           </a:p>
         </p:txBody>
@@ -4067,8 +4050,8 @@
         </p:nvSpPr>
         <p:spPr>
           <a:xfrm>
-            <a:off x="124943" y="4084257"/>
-            <a:ext cx="1114408" cy="461665"/>
+            <a:off x="217763" y="4379298"/>
+            <a:ext cx="1075936" cy="830997"/>
           </a:xfrm>
           <a:prstGeom prst="rect">
             <a:avLst/>
@@ -4081,48 +4064,16 @@
           </a:bodyPr>
           <a:lstStyle/>
           <a:p>
-            <a:r>
-              <a:rPr lang="en-US" sz="2400">
+            <a:endParaRPr lang="en-US" sz="2400" dirty="0">
+              <a:latin typeface="Swell Braille" pitchFamily="49"/>
+            </a:endParaRPr>
+          </a:p>
+          <a:p>
+            <a:r>
+              <a:rPr lang="en-US" sz="2400" dirty="0">
                 <a:latin typeface="Swell Braille" pitchFamily="49"/>
               </a:rPr>
-              <a:t>⠼⠉⠙⠚</a:t>
-            </a:r>
-          </a:p>
-        </p:txBody>
-      </p:sp>
-      <p:sp>
-        <p:nvSpPr>
-          <p:cNvPr id="24" name="TextBox 23">
-            <a:extLst>
-              <a:ext uri="{FF2B5EF4-FFF2-40B4-BE49-F238E27FC236}">
-                <a16:creationId xmlns:a16="http://schemas.microsoft.com/office/drawing/2014/main" id="{2153E248-CC3A-1C46-99CF-134EF085E1D3}"/>
-              </a:ext>
-            </a:extLst>
-          </p:cNvPr>
-          <p:cNvSpPr txBox="1"/>
-          <p:nvPr/>
-        </p:nvSpPr>
-        <p:spPr>
-          <a:xfrm>
-            <a:off x="124943" y="4431138"/>
-            <a:ext cx="1114408" cy="461665"/>
-          </a:xfrm>
-          <a:prstGeom prst="rect">
-            <a:avLst/>
-          </a:prstGeom>
-          <a:noFill/>
-        </p:spPr>
-        <p:txBody>
-          <a:bodyPr wrap="none" rtlCol="0">
-            <a:spAutoFit/>
-          </a:bodyPr>
-          <a:lstStyle/>
-          <a:p>
-            <a:r>
-              <a:rPr lang="en-US" sz="2400">
-                <a:latin typeface="Swell Braille" pitchFamily="49"/>
-              </a:rPr>
-              <a:t>⠼⠉⠉⠚</a:t>
+              <a:t>⠼⠉c⠚</a:t>
             </a:r>
           </a:p>
         </p:txBody>
@@ -4141,8 +4092,8 @@
         </p:nvSpPr>
         <p:spPr>
           <a:xfrm>
-            <a:off x="124943" y="4778019"/>
-            <a:ext cx="1114408" cy="461665"/>
+            <a:off x="217763" y="4972778"/>
+            <a:ext cx="1075936" cy="830997"/>
           </a:xfrm>
           <a:prstGeom prst="rect">
             <a:avLst/>
@@ -4155,48 +4106,16 @@
           </a:bodyPr>
           <a:lstStyle/>
           <a:p>
-            <a:r>
-              <a:rPr lang="en-US" sz="2400">
+            <a:endParaRPr lang="en-US" sz="2400" dirty="0">
+              <a:latin typeface="Swell Braille" pitchFamily="49"/>
+            </a:endParaRPr>
+          </a:p>
+          <a:p>
+            <a:r>
+              <a:rPr lang="en-US" sz="2400" dirty="0">
                 <a:latin typeface="Swell Braille" pitchFamily="49"/>
               </a:rPr>
-              <a:t>⠼⠉⠃⠚</a:t>
-            </a:r>
-          </a:p>
-        </p:txBody>
-      </p:sp>
-      <p:sp>
-        <p:nvSpPr>
-          <p:cNvPr id="26" name="TextBox 25">
-            <a:extLst>
-              <a:ext uri="{FF2B5EF4-FFF2-40B4-BE49-F238E27FC236}">
-                <a16:creationId xmlns:a16="http://schemas.microsoft.com/office/drawing/2014/main" id="{B418238B-6AED-7A4B-8B6C-139B90A1E70D}"/>
-              </a:ext>
-            </a:extLst>
-          </p:cNvPr>
-          <p:cNvSpPr txBox="1"/>
-          <p:nvPr/>
-        </p:nvSpPr>
-        <p:spPr>
-          <a:xfrm>
-            <a:off x="124943" y="5124897"/>
-            <a:ext cx="1114408" cy="461665"/>
-          </a:xfrm>
-          <a:prstGeom prst="rect">
-            <a:avLst/>
-          </a:prstGeom>
-          <a:noFill/>
-        </p:spPr>
-        <p:txBody>
-          <a:bodyPr wrap="none" rtlCol="0">
-            <a:spAutoFit/>
-          </a:bodyPr>
-          <a:lstStyle/>
-          <a:p>
-            <a:r>
-              <a:rPr lang="en-US" sz="2400">
-                <a:latin typeface="Swell Braille" pitchFamily="49"/>
-              </a:rPr>
-              <a:t>⠼⠉⠁⠚</a:t>
+              <a:t>⠼⠉a⠚</a:t>
             </a:r>
           </a:p>
         </p:txBody>
@@ -4215,8 +4134,8 @@
         </p:nvSpPr>
         <p:spPr>
           <a:xfrm>
-            <a:off x="1070345" y="5468679"/>
-            <a:ext cx="1346844" cy="461665"/>
+            <a:off x="1361472" y="5337250"/>
+            <a:ext cx="1298753" cy="830997"/>
           </a:xfrm>
           <a:prstGeom prst="rect">
             <a:avLst/>
@@ -4229,8 +4148,13 @@
           </a:bodyPr>
           <a:lstStyle/>
           <a:p>
-            <a:r>
-              <a:rPr lang="en-US" sz="2400">
+            <a:endParaRPr lang="en-US" sz="2400" dirty="0">
+              <a:latin typeface="Swell Braille" pitchFamily="49"/>
+            </a:endParaRPr>
+          </a:p>
+          <a:p>
+            <a:r>
+              <a:rPr lang="en-US" sz="2400" dirty="0">
                 <a:latin typeface="Swell Braille" pitchFamily="49"/>
               </a:rPr>
               <a:t>⠼⠁⠊⠋⠚</a:t>
@@ -4252,8 +4176,8 @@
         </p:nvSpPr>
         <p:spPr>
           <a:xfrm>
-            <a:off x="2166089" y="5840820"/>
-            <a:ext cx="1346844" cy="461665"/>
+            <a:off x="2409370" y="5765319"/>
+            <a:ext cx="1298753" cy="830997"/>
           </a:xfrm>
           <a:prstGeom prst="rect">
             <a:avLst/>
@@ -4266,8 +4190,13 @@
           </a:bodyPr>
           <a:lstStyle/>
           <a:p>
-            <a:r>
-              <a:rPr lang="en-US" sz="2400">
+            <a:endParaRPr lang="en-US" sz="2400" dirty="0">
+              <a:latin typeface="Swell Braille" pitchFamily="49"/>
+            </a:endParaRPr>
+          </a:p>
+          <a:p>
+            <a:r>
+              <a:rPr lang="en-US" sz="2400" dirty="0">
                 <a:latin typeface="Swell Braille" pitchFamily="49"/>
               </a:rPr>
               <a:t>⠼⠁⠊⠛⠚</a:t>
@@ -4289,8 +4218,8 @@
         </p:nvSpPr>
         <p:spPr>
           <a:xfrm>
-            <a:off x="4570231" y="5840820"/>
-            <a:ext cx="1346844" cy="461665"/>
+            <a:off x="4505646" y="5765318"/>
+            <a:ext cx="1298753" cy="830997"/>
           </a:xfrm>
           <a:prstGeom prst="rect">
             <a:avLst/>
@@ -4303,8 +4232,13 @@
           </a:bodyPr>
           <a:lstStyle/>
           <a:p>
-            <a:r>
-              <a:rPr lang="en-US" sz="2400">
+            <a:endParaRPr lang="en-US" sz="2400" dirty="0">
+              <a:latin typeface="Swell Braille" pitchFamily="49"/>
+            </a:endParaRPr>
+          </a:p>
+          <a:p>
+            <a:r>
+              <a:rPr lang="en-US" sz="2400" dirty="0">
                 <a:latin typeface="Swell Braille" pitchFamily="49"/>
               </a:rPr>
               <a:t>⠼⠁⠊⠊⠚</a:t>
@@ -4326,8 +4260,8 @@
         </p:nvSpPr>
         <p:spPr>
           <a:xfrm>
-            <a:off x="5825463" y="5468679"/>
-            <a:ext cx="1346844" cy="461665"/>
+            <a:off x="5564804" y="5330691"/>
+            <a:ext cx="1298753" cy="830997"/>
           </a:xfrm>
           <a:prstGeom prst="rect">
             <a:avLst/>
@@ -4340,8 +4274,13 @@
           </a:bodyPr>
           <a:lstStyle/>
           <a:p>
-            <a:r>
-              <a:rPr lang="en-US" sz="2400">
+            <a:endParaRPr lang="en-US" sz="2400" dirty="0">
+              <a:latin typeface="Swell Braille" pitchFamily="49"/>
+            </a:endParaRPr>
+          </a:p>
+          <a:p>
+            <a:r>
+              <a:rPr lang="en-US" sz="2400" dirty="0">
                 <a:latin typeface="Swell Braille" pitchFamily="49"/>
               </a:rPr>
               <a:t>⠼⠃⠚⠚⠚</a:t>
@@ -4363,8 +4302,8 @@
         </p:nvSpPr>
         <p:spPr>
           <a:xfrm>
-            <a:off x="6931840" y="5840820"/>
-            <a:ext cx="1346844" cy="461665"/>
+            <a:off x="6605971" y="5763911"/>
+            <a:ext cx="1298753" cy="830997"/>
           </a:xfrm>
           <a:prstGeom prst="rect">
             <a:avLst/>
@@ -4377,8 +4316,13 @@
           </a:bodyPr>
           <a:lstStyle/>
           <a:p>
-            <a:r>
-              <a:rPr lang="en-US" sz="2400">
+            <a:endParaRPr lang="en-US" sz="2400" dirty="0">
+              <a:latin typeface="Swell Braille" pitchFamily="49"/>
+            </a:endParaRPr>
+          </a:p>
+          <a:p>
+            <a:r>
+              <a:rPr lang="en-US" sz="2400" dirty="0">
                 <a:latin typeface="Swell Braille" pitchFamily="49"/>
               </a:rPr>
               <a:t>⠼⠃⠚⠁⠚</a:t>
@@ -4400,8 +4344,8 @@
         </p:nvSpPr>
         <p:spPr>
           <a:xfrm>
-            <a:off x="7892668" y="5468679"/>
-            <a:ext cx="1346844" cy="461665"/>
+            <a:off x="7647735" y="5330690"/>
+            <a:ext cx="1298753" cy="830997"/>
           </a:xfrm>
           <a:prstGeom prst="rect">
             <a:avLst/>
@@ -4414,8 +4358,13 @@
           </a:bodyPr>
           <a:lstStyle/>
           <a:p>
-            <a:r>
-              <a:rPr lang="en-US" sz="2400">
+            <a:endParaRPr lang="en-US" sz="2400" dirty="0">
+              <a:latin typeface="Swell Braille" pitchFamily="49"/>
+            </a:endParaRPr>
+          </a:p>
+          <a:p>
+            <a:r>
+              <a:rPr lang="en-US" sz="2400" dirty="0">
                 <a:latin typeface="Swell Braille" pitchFamily="49"/>
               </a:rPr>
               <a:t>⠼⠃⠚⠃⠚</a:t>
@@ -4437,8 +4386,8 @@
         </p:nvSpPr>
         <p:spPr>
           <a:xfrm>
-            <a:off x="1480540" y="1456660"/>
-            <a:ext cx="4195379" cy="830997"/>
+            <a:off x="59348" y="923566"/>
+            <a:ext cx="5602192" cy="1200329"/>
           </a:xfrm>
           <a:prstGeom prst="rect">
             <a:avLst/>
@@ -4446,27 +4395,28 @@
           <a:noFill/>
         </p:spPr>
         <p:txBody>
-          <a:bodyPr wrap="none" rtlCol="0">
+          <a:bodyPr wrap="square" rtlCol="0">
             <a:spAutoFit/>
           </a:bodyPr>
           <a:lstStyle/>
           <a:p>
             <a:pPr algn="ctr"/>
             <a:r>
-              <a:rPr lang="en-US" sz="2400">
+              <a:rPr lang="en-US" sz="2400" dirty="0">
                 <a:latin typeface="Swell Braille" pitchFamily="49"/>
                 <a:cs typeface="Arial" panose="020B0604020202020204" pitchFamily="34" charset="0"/>
               </a:rPr>
-              <a:t>⠠⠠⠉⠕⠼⠃⠀⠉⠕⠝⠉⠢⠞⠗⠁⠰⠝⠀</a:t>
-            </a:r>
-          </a:p>
-          <a:p>
-            <a:r>
-              <a:rPr lang="en-US" sz="2400">
+              <a:t>    </a:t>
+            </a:r>
+          </a:p>
+          <a:p>
+            <a:pPr algn="ctr"/>
+            <a:r>
+              <a:rPr lang="en-US" sz="2400" dirty="0">
                 <a:latin typeface="Swell Braille" pitchFamily="49"/>
                 <a:cs typeface="Arial" panose="020B0604020202020204" pitchFamily="34" charset="0"/>
               </a:rPr>
-              <a:t>⠐⠣⠏⠏⠍⠐⠜</a:t>
+              <a:t>   ⠠⠉,⠕⠼⠃⠀3⠉⠢⠞⠗⠁⠰⠝⠀⠐⠣⠏⠏⠍⠐⠜</a:t>
             </a:r>
           </a:p>
         </p:txBody>
@@ -4486,7 +4436,7 @@
         <p:spPr>
           <a:xfrm>
             <a:off x="124943" y="1309209"/>
-            <a:ext cx="1114408" cy="461665"/>
+            <a:ext cx="184731" cy="830997"/>
           </a:xfrm>
           <a:prstGeom prst="rect">
             <a:avLst/>
@@ -4498,12 +4448,14 @@
           </a:bodyPr>
           <a:lstStyle/>
           <a:p>
-            <a:r>
-              <a:rPr lang="en-US" sz="2400">
-                <a:latin typeface="Swell Braille" pitchFamily="49"/>
-              </a:rPr>
-              <a:t>⠼⠙⠃⠚</a:t>
-            </a:r>
+            <a:endParaRPr lang="en-US" sz="2400" dirty="0">
+              <a:latin typeface="Swell Braille" pitchFamily="49"/>
+            </a:endParaRPr>
+          </a:p>
+          <a:p>
+            <a:endParaRPr lang="en-US" sz="2400" dirty="0">
+              <a:latin typeface="Swell Braille" pitchFamily="49"/>
+            </a:endParaRPr>
           </a:p>
         </p:txBody>
       </p:sp>
@@ -4521,8 +4473,8 @@
         </p:nvSpPr>
         <p:spPr>
           <a:xfrm>
-            <a:off x="3387637" y="5468679"/>
-            <a:ext cx="1346844" cy="461665"/>
+            <a:off x="3454749" y="5333042"/>
+            <a:ext cx="1298753" cy="830997"/>
           </a:xfrm>
           <a:prstGeom prst="rect">
             <a:avLst/>
@@ -4534,47 +4486,16 @@
           </a:bodyPr>
           <a:lstStyle/>
           <a:p>
-            <a:r>
-              <a:rPr lang="en-US" sz="2400">
+            <a:endParaRPr lang="en-US" sz="2400" dirty="0">
+              <a:latin typeface="Swell Braille" pitchFamily="49"/>
+            </a:endParaRPr>
+          </a:p>
+          <a:p>
+            <a:r>
+              <a:rPr lang="en-US" sz="2400" dirty="0">
                 <a:latin typeface="Swell Braille" pitchFamily="49"/>
               </a:rPr>
               <a:t>⠼⠁⠊⠓⠚</a:t>
-            </a:r>
-          </a:p>
-        </p:txBody>
-      </p:sp>
-      <p:sp>
-        <p:nvSpPr>
-          <p:cNvPr id="7" name="Rectangle 6">
-            <a:extLst>
-              <a:ext uri="{FF2B5EF4-FFF2-40B4-BE49-F238E27FC236}">
-                <a16:creationId xmlns:a16="http://schemas.microsoft.com/office/drawing/2014/main" id="{F02BA337-C865-9242-AAF6-90DB7C155D73}"/>
-              </a:ext>
-            </a:extLst>
-          </p:cNvPr>
-          <p:cNvSpPr/>
-          <p:nvPr/>
-        </p:nvSpPr>
-        <p:spPr>
-          <a:xfrm>
-            <a:off x="124943" y="1656090"/>
-            <a:ext cx="1114408" cy="461665"/>
-          </a:xfrm>
-          <a:prstGeom prst="rect">
-            <a:avLst/>
-          </a:prstGeom>
-        </p:spPr>
-        <p:txBody>
-          <a:bodyPr wrap="none">
-            <a:spAutoFit/>
-          </a:bodyPr>
-          <a:lstStyle/>
-          <a:p>
-            <a:r>
-              <a:rPr lang="en-US" sz="2400">
-                <a:latin typeface="Swell Braille" pitchFamily="49"/>
-              </a:rPr>
-              <a:t>⠼⠙⠁⠚</a:t>
             </a:r>
           </a:p>
         </p:txBody>
@@ -4593,8 +4514,8 @@
         </p:nvSpPr>
         <p:spPr>
           <a:xfrm>
-            <a:off x="124943" y="2002971"/>
-            <a:ext cx="1114408" cy="461665"/>
+            <a:off x="217763" y="3531990"/>
+            <a:ext cx="1075936" cy="461665"/>
           </a:xfrm>
           <a:prstGeom prst="rect">
             <a:avLst/>
@@ -4607,10 +4528,10 @@
           <a:lstStyle/>
           <a:p>
             <a:r>
-              <a:rPr lang="en-US" sz="2400">
+              <a:rPr lang="en-US" sz="2400" dirty="0">
                 <a:latin typeface="Swell Braille" pitchFamily="49"/>
               </a:rPr>
-              <a:t>⠼⠙⠚⠚</a:t>
+              <a:t>#cgj</a:t>
             </a:r>
           </a:p>
         </p:txBody>
@@ -4629,8 +4550,8 @@
         </p:nvSpPr>
         <p:spPr>
           <a:xfrm>
-            <a:off x="124943" y="2349852"/>
-            <a:ext cx="1114408" cy="461665"/>
+            <a:off x="217763" y="2918100"/>
+            <a:ext cx="1075936" cy="461665"/>
           </a:xfrm>
           <a:prstGeom prst="rect">
             <a:avLst/>
@@ -4643,20 +4564,20 @@
           <a:lstStyle/>
           <a:p>
             <a:r>
-              <a:rPr lang="en-US" sz="2400">
+              <a:rPr lang="en-US" sz="2400" dirty="0">
                 <a:latin typeface="Swell Braille" pitchFamily="49"/>
               </a:rPr>
-              <a:t>⠼⠉⠊⠚</a:t>
-            </a:r>
-          </a:p>
-        </p:txBody>
-      </p:sp>
-      <p:sp>
-        <p:nvSpPr>
-          <p:cNvPr id="12" name="Rectangle 11">
+              <a:t>#cij</a:t>
+            </a:r>
+          </a:p>
+        </p:txBody>
+      </p:sp>
+      <p:sp>
+        <p:nvSpPr>
+          <p:cNvPr id="29" name="Rectangle 28">
             <a:extLst>
               <a:ext uri="{FF2B5EF4-FFF2-40B4-BE49-F238E27FC236}">
-                <a16:creationId xmlns:a16="http://schemas.microsoft.com/office/drawing/2014/main" id="{464E33C3-DA69-D24B-960A-8FAFF466C0AE}"/>
+                <a16:creationId xmlns:a16="http://schemas.microsoft.com/office/drawing/2014/main" id="{30BCE00D-3301-4926-8190-49D5F1FEE076}"/>
               </a:ext>
             </a:extLst>
           </p:cNvPr>
@@ -4665,8 +4586,8 @@
         </p:nvSpPr>
         <p:spPr>
           <a:xfrm>
-            <a:off x="124943" y="2696733"/>
-            <a:ext cx="1114408" cy="461665"/>
+            <a:off x="217308" y="2317204"/>
+            <a:ext cx="1075936" cy="461665"/>
           </a:xfrm>
           <a:prstGeom prst="rect">
             <a:avLst/>
@@ -4679,50 +4600,125 @@
           <a:lstStyle/>
           <a:p>
             <a:r>
-              <a:rPr lang="en-US" sz="2400">
+              <a:rPr lang="en-US" sz="2400" dirty="0">
                 <a:latin typeface="Swell Braille" pitchFamily="49"/>
               </a:rPr>
-              <a:t>⠼⠉⠓⠚</a:t>
-            </a:r>
-          </a:p>
-        </p:txBody>
-      </p:sp>
-      <p:sp>
-        <p:nvSpPr>
-          <p:cNvPr id="61" name="Rectangle 60">
+              <a:t>#daj</a:t>
+            </a:r>
+          </a:p>
+        </p:txBody>
+      </p:sp>
+      <p:cxnSp>
+        <p:nvCxnSpPr>
+          <p:cNvPr id="3" name="Straight Connector 2">
             <a:extLst>
               <a:ext uri="{FF2B5EF4-FFF2-40B4-BE49-F238E27FC236}">
-                <a16:creationId xmlns:a16="http://schemas.microsoft.com/office/drawing/2014/main" id="{7D532459-FEB7-4743-8689-95ADB1E2F98B}"/>
+                <a16:creationId xmlns:a16="http://schemas.microsoft.com/office/drawing/2014/main" id="{27BC9AC2-F97A-4461-BA15-BD4647187312}"/>
               </a:ext>
             </a:extLst>
           </p:cNvPr>
-          <p:cNvSpPr/>
+          <p:cNvCxnSpPr/>
           <p:nvPr/>
-        </p:nvSpPr>
-        <p:spPr>
-          <a:xfrm>
-            <a:off x="124943" y="3043614"/>
-            <a:ext cx="1114408" cy="461665"/>
-          </a:xfrm>
-          <a:prstGeom prst="rect">
-            <a:avLst/>
-          </a:prstGeom>
-        </p:spPr>
-        <p:txBody>
-          <a:bodyPr wrap="none">
-            <a:spAutoFit/>
-          </a:bodyPr>
-          <a:lstStyle/>
-          <a:p>
-            <a:r>
-              <a:rPr lang="en-US" sz="2400">
-                <a:latin typeface="Swell Braille" pitchFamily="49"/>
-              </a:rPr>
-              <a:t>⠼⠉⠛⠚</a:t>
-            </a:r>
-          </a:p>
-        </p:txBody>
-      </p:sp>
+        </p:nvCxnSpPr>
+        <p:spPr>
+          <a:xfrm>
+            <a:off x="2643447" y="5595457"/>
+            <a:ext cx="0" cy="583008"/>
+          </a:xfrm>
+          <a:prstGeom prst="line">
+            <a:avLst/>
+          </a:prstGeom>
+          <a:ln w="25400" cap="rnd"/>
+        </p:spPr>
+        <p:style>
+          <a:lnRef idx="1">
+            <a:schemeClr val="dk1"/>
+          </a:lnRef>
+          <a:fillRef idx="0">
+            <a:schemeClr val="dk1"/>
+          </a:fillRef>
+          <a:effectRef idx="0">
+            <a:schemeClr val="dk1"/>
+          </a:effectRef>
+          <a:fontRef idx="minor">
+            <a:schemeClr val="tx1"/>
+          </a:fontRef>
+        </p:style>
+      </p:cxnSp>
+      <p:cxnSp>
+        <p:nvCxnSpPr>
+          <p:cNvPr id="35" name="Straight Connector 34">
+            <a:extLst>
+              <a:ext uri="{FF2B5EF4-FFF2-40B4-BE49-F238E27FC236}">
+                <a16:creationId xmlns:a16="http://schemas.microsoft.com/office/drawing/2014/main" id="{D734AC1A-870F-42C5-9B4F-2985E19D176F}"/>
+              </a:ext>
+            </a:extLst>
+          </p:cNvPr>
+          <p:cNvCxnSpPr/>
+          <p:nvPr/>
+        </p:nvCxnSpPr>
+        <p:spPr>
+          <a:xfrm>
+            <a:off x="6840703" y="5615031"/>
+            <a:ext cx="0" cy="583008"/>
+          </a:xfrm>
+          <a:prstGeom prst="line">
+            <a:avLst/>
+          </a:prstGeom>
+          <a:ln w="25400" cap="rnd"/>
+        </p:spPr>
+        <p:style>
+          <a:lnRef idx="1">
+            <a:schemeClr val="dk1"/>
+          </a:lnRef>
+          <a:fillRef idx="0">
+            <a:schemeClr val="dk1"/>
+          </a:fillRef>
+          <a:effectRef idx="0">
+            <a:schemeClr val="dk1"/>
+          </a:effectRef>
+          <a:fontRef idx="minor">
+            <a:schemeClr val="tx1"/>
+          </a:fontRef>
+        </p:style>
+      </p:cxnSp>
+      <p:cxnSp>
+        <p:nvCxnSpPr>
+          <p:cNvPr id="36" name="Straight Connector 35">
+            <a:extLst>
+              <a:ext uri="{FF2B5EF4-FFF2-40B4-BE49-F238E27FC236}">
+                <a16:creationId xmlns:a16="http://schemas.microsoft.com/office/drawing/2014/main" id="{63C58206-B663-4F2C-9BCC-B3152859010B}"/>
+              </a:ext>
+            </a:extLst>
+          </p:cNvPr>
+          <p:cNvCxnSpPr/>
+          <p:nvPr/>
+        </p:nvCxnSpPr>
+        <p:spPr>
+          <a:xfrm>
+            <a:off x="4743493" y="5615031"/>
+            <a:ext cx="0" cy="583008"/>
+          </a:xfrm>
+          <a:prstGeom prst="line">
+            <a:avLst/>
+          </a:prstGeom>
+          <a:ln w="25400" cap="rnd"/>
+        </p:spPr>
+        <p:style>
+          <a:lnRef idx="1">
+            <a:schemeClr val="dk1"/>
+          </a:lnRef>
+          <a:fillRef idx="0">
+            <a:schemeClr val="dk1"/>
+          </a:fillRef>
+          <a:effectRef idx="0">
+            <a:schemeClr val="dk1"/>
+          </a:effectRef>
+          <a:fontRef idx="minor">
+            <a:schemeClr val="tx1"/>
+          </a:fontRef>
+        </p:style>
+      </p:cxnSp>
     </p:spTree>
     <p:extLst>
       <p:ext uri="{BB962C8B-B14F-4D97-AF65-F5344CB8AC3E}">
